--- a/Präsi/ParkYourCar.pptx
+++ b/Präsi/ParkYourCar.pptx
@@ -111,6 +111,11 @@
       </a:defRPr>
     </a:lvl9pPr>
   </p:defaultTextStyle>
+  <p:extLst>
+    <p:ext uri="{EFAFB233-063F-42B5-8137-9DF3F51BA10A}">
+      <p15:sldGuideLst xmlns:p15="http://schemas.microsoft.com/office/powerpoint/2012/main"/>
+    </p:ext>
+  </p:extLst>
 </p:presentation>
 </file>
 
@@ -3036,10 +3041,100 @@
           <a:bodyPr/>
           <a:lstStyle/>
           <a:p>
-            <a:endParaRPr lang="de-CH"/>
-          </a:p>
-        </p:txBody>
-      </p:sp>
+            <a:endParaRPr lang="de-CH" dirty="0"/>
+          </a:p>
+        </p:txBody>
+      </p:sp>
+      <p:pic>
+        <p:nvPicPr>
+          <p:cNvPr id="4" name="Grafik 3"/>
+          <p:cNvPicPr>
+            <a:picLocks noChangeAspect="1"/>
+          </p:cNvPicPr>
+          <p:nvPr/>
+        </p:nvPicPr>
+        <p:blipFill>
+          <a:blip r:embed="rId2">
+            <a:extLst>
+              <a:ext uri="{28A0092B-C50C-407E-A947-70E740481C1C}">
+                <a14:useLocalDpi xmlns:a14="http://schemas.microsoft.com/office/drawing/2010/main" val="0"/>
+              </a:ext>
+            </a:extLst>
+          </a:blip>
+          <a:stretch>
+            <a:fillRect/>
+          </a:stretch>
+        </p:blipFill>
+        <p:spPr>
+          <a:xfrm>
+            <a:off x="5056515" y="3778558"/>
+            <a:ext cx="2026953" cy="3096524"/>
+          </a:xfrm>
+          <a:prstGeom prst="rect">
+            <a:avLst/>
+          </a:prstGeom>
+        </p:spPr>
+      </p:pic>
+      <p:pic>
+        <p:nvPicPr>
+          <p:cNvPr id="5" name="Grafik 4"/>
+          <p:cNvPicPr>
+            <a:picLocks noChangeAspect="1"/>
+          </p:cNvPicPr>
+          <p:nvPr/>
+        </p:nvPicPr>
+        <p:blipFill>
+          <a:blip r:embed="rId3">
+            <a:extLst>
+              <a:ext uri="{28A0092B-C50C-407E-A947-70E740481C1C}">
+                <a14:useLocalDpi xmlns:a14="http://schemas.microsoft.com/office/drawing/2010/main" val="0"/>
+              </a:ext>
+            </a:extLst>
+          </a:blip>
+          <a:stretch>
+            <a:fillRect/>
+          </a:stretch>
+        </p:blipFill>
+        <p:spPr>
+          <a:xfrm>
+            <a:off x="9062581" y="2767558"/>
+            <a:ext cx="2688743" cy="4107523"/>
+          </a:xfrm>
+          <a:prstGeom prst="rect">
+            <a:avLst/>
+          </a:prstGeom>
+        </p:spPr>
+      </p:pic>
+      <p:pic>
+        <p:nvPicPr>
+          <p:cNvPr id="6" name="Grafik 5"/>
+          <p:cNvPicPr>
+            <a:picLocks noChangeAspect="1"/>
+          </p:cNvPicPr>
+          <p:nvPr/>
+        </p:nvPicPr>
+        <p:blipFill>
+          <a:blip r:embed="rId4">
+            <a:extLst>
+              <a:ext uri="{28A0092B-C50C-407E-A947-70E740481C1C}">
+                <a14:useLocalDpi xmlns:a14="http://schemas.microsoft.com/office/drawing/2010/main" val="0"/>
+              </a:ext>
+            </a:extLst>
+          </a:blip>
+          <a:stretch>
+            <a:fillRect/>
+          </a:stretch>
+        </p:blipFill>
+        <p:spPr>
+          <a:xfrm>
+            <a:off x="442850" y="2673051"/>
+            <a:ext cx="2713709" cy="4145663"/>
+          </a:xfrm>
+          <a:prstGeom prst="rect">
+            <a:avLst/>
+          </a:prstGeom>
+        </p:spPr>
+      </p:pic>
     </p:spTree>
     <p:extLst>
       <p:ext uri="{BB962C8B-B14F-4D97-AF65-F5344CB8AC3E}">

--- a/Präsi/ParkYourCar.pptx
+++ b/Präsi/ParkYourCar.pptx
@@ -261,7 +261,7 @@
           <a:p>
             <a:fld id="{BC39CC97-9A22-4EFF-AD45-DE380A2B8C69}" type="datetimeFigureOut">
               <a:rPr lang="de-CH" smtClean="0"/>
-              <a:t>11.06.2017</a:t>
+              <a:t>12.06.2017</a:t>
             </a:fld>
             <a:endParaRPr lang="de-CH"/>
           </a:p>
@@ -431,7 +431,7 @@
           <a:p>
             <a:fld id="{BC39CC97-9A22-4EFF-AD45-DE380A2B8C69}" type="datetimeFigureOut">
               <a:rPr lang="de-CH" smtClean="0"/>
-              <a:t>11.06.2017</a:t>
+              <a:t>12.06.2017</a:t>
             </a:fld>
             <a:endParaRPr lang="de-CH"/>
           </a:p>
@@ -611,7 +611,7 @@
           <a:p>
             <a:fld id="{BC39CC97-9A22-4EFF-AD45-DE380A2B8C69}" type="datetimeFigureOut">
               <a:rPr lang="de-CH" smtClean="0"/>
-              <a:t>11.06.2017</a:t>
+              <a:t>12.06.2017</a:t>
             </a:fld>
             <a:endParaRPr lang="de-CH"/>
           </a:p>
@@ -725,39 +725,47 @@
         <p:spPr/>
         <p:txBody>
           <a:bodyPr/>
-          <a:lstStyle/>
+          <a:lstStyle>
+            <a:lvl1pPr marL="228600" indent="-228600">
+              <a:buFontTx/>
+              <a:buBlip>
+                <a:blip r:embed="rId2"/>
+              </a:buBlip>
+              <a:defRPr/>
+            </a:lvl1pPr>
+          </a:lstStyle>
           <a:p>
             <a:pPr lvl="0"/>
             <a:r>
-              <a:rPr lang="de-DE"/>
+              <a:rPr lang="de-DE" dirty="0"/>
               <a:t>Formatvorlagen des Textmasters bearbeiten</a:t>
             </a:r>
           </a:p>
           <a:p>
             <a:pPr lvl="1"/>
             <a:r>
-              <a:rPr lang="de-DE"/>
+              <a:rPr lang="de-DE" dirty="0"/>
               <a:t>Zweite Ebene</a:t>
             </a:r>
           </a:p>
           <a:p>
             <a:pPr lvl="2"/>
             <a:r>
-              <a:rPr lang="de-DE"/>
+              <a:rPr lang="de-DE" dirty="0"/>
               <a:t>Dritte Ebene</a:t>
             </a:r>
           </a:p>
           <a:p>
             <a:pPr lvl="3"/>
             <a:r>
-              <a:rPr lang="de-DE"/>
+              <a:rPr lang="de-DE" dirty="0"/>
               <a:t>Vierte Ebene</a:t>
             </a:r>
           </a:p>
           <a:p>
             <a:pPr lvl="4"/>
             <a:r>
-              <a:rPr lang="de-DE"/>
+              <a:rPr lang="de-DE" dirty="0"/>
               <a:t>Fünfte Ebene</a:t>
             </a:r>
             <a:endParaRPr lang="en-US" dirty="0"/>
@@ -781,7 +789,7 @@
           <a:p>
             <a:fld id="{BC39CC97-9A22-4EFF-AD45-DE380A2B8C69}" type="datetimeFigureOut">
               <a:rPr lang="de-CH" smtClean="0"/>
-              <a:t>11.06.2017</a:t>
+              <a:t>12.06.2017</a:t>
             </a:fld>
             <a:endParaRPr lang="de-CH"/>
           </a:p>
@@ -1032,7 +1040,7 @@
           <a:p>
             <a:fld id="{BC39CC97-9A22-4EFF-AD45-DE380A2B8C69}" type="datetimeFigureOut">
               <a:rPr lang="de-CH" smtClean="0"/>
-              <a:t>11.06.2017</a:t>
+              <a:t>12.06.2017</a:t>
             </a:fld>
             <a:endParaRPr lang="de-CH"/>
           </a:p>
@@ -1264,7 +1272,7 @@
           <a:p>
             <a:fld id="{BC39CC97-9A22-4EFF-AD45-DE380A2B8C69}" type="datetimeFigureOut">
               <a:rPr lang="de-CH" smtClean="0"/>
-              <a:t>11.06.2017</a:t>
+              <a:t>12.06.2017</a:t>
             </a:fld>
             <a:endParaRPr lang="de-CH"/>
           </a:p>
@@ -1430,39 +1438,47 @@
         </p:spPr>
         <p:txBody>
           <a:bodyPr/>
-          <a:lstStyle/>
+          <a:lstStyle>
+            <a:lvl1pPr marL="228600" indent="-228600">
+              <a:buFontTx/>
+              <a:buBlip>
+                <a:blip r:embed="rId2"/>
+              </a:buBlip>
+              <a:defRPr/>
+            </a:lvl1pPr>
+          </a:lstStyle>
           <a:p>
             <a:pPr lvl="0"/>
             <a:r>
-              <a:rPr lang="de-DE"/>
+              <a:rPr lang="de-DE" dirty="0"/>
               <a:t>Formatvorlagen des Textmasters bearbeiten</a:t>
             </a:r>
           </a:p>
           <a:p>
             <a:pPr lvl="1"/>
             <a:r>
-              <a:rPr lang="de-DE"/>
+              <a:rPr lang="de-DE" dirty="0"/>
               <a:t>Zweite Ebene</a:t>
             </a:r>
           </a:p>
           <a:p>
             <a:pPr lvl="2"/>
             <a:r>
-              <a:rPr lang="de-DE"/>
+              <a:rPr lang="de-DE" dirty="0"/>
               <a:t>Dritte Ebene</a:t>
             </a:r>
           </a:p>
           <a:p>
             <a:pPr lvl="3"/>
             <a:r>
-              <a:rPr lang="de-DE"/>
+              <a:rPr lang="de-DE" dirty="0"/>
               <a:t>Vierte Ebene</a:t>
             </a:r>
           </a:p>
           <a:p>
             <a:pPr lvl="4"/>
             <a:r>
-              <a:rPr lang="de-DE"/>
+              <a:rPr lang="de-DE" dirty="0"/>
               <a:t>Fünfte Ebene</a:t>
             </a:r>
             <a:endParaRPr lang="en-US" dirty="0"/>
@@ -1611,7 +1627,7 @@
           <a:p>
             <a:fld id="{BC39CC97-9A22-4EFF-AD45-DE380A2B8C69}" type="datetimeFigureOut">
               <a:rPr lang="de-CH" smtClean="0"/>
-              <a:t>11.06.2017</a:t>
+              <a:t>12.06.2017</a:t>
             </a:fld>
             <a:endParaRPr lang="de-CH"/>
           </a:p>
@@ -1729,7 +1745,7 @@
           <a:p>
             <a:fld id="{BC39CC97-9A22-4EFF-AD45-DE380A2B8C69}" type="datetimeFigureOut">
               <a:rPr lang="de-CH" smtClean="0"/>
-              <a:t>11.06.2017</a:t>
+              <a:t>12.06.2017</a:t>
             </a:fld>
             <a:endParaRPr lang="de-CH"/>
           </a:p>
@@ -1847,7 +1863,7 @@
           <a:p>
             <a:fld id="{BC39CC97-9A22-4EFF-AD45-DE380A2B8C69}" type="datetimeFigureOut">
               <a:rPr lang="de-CH" smtClean="0"/>
-              <a:t>11.06.2017</a:t>
+              <a:t>12.06.2017</a:t>
             </a:fld>
             <a:endParaRPr lang="de-CH"/>
           </a:p>
@@ -2131,7 +2147,7 @@
           <a:p>
             <a:fld id="{BC39CC97-9A22-4EFF-AD45-DE380A2B8C69}" type="datetimeFigureOut">
               <a:rPr lang="de-CH" smtClean="0"/>
-              <a:t>11.06.2017</a:t>
+              <a:t>12.06.2017</a:t>
             </a:fld>
             <a:endParaRPr lang="de-CH"/>
           </a:p>
@@ -2395,7 +2411,7 @@
           <a:p>
             <a:fld id="{BC39CC97-9A22-4EFF-AD45-DE380A2B8C69}" type="datetimeFigureOut">
               <a:rPr lang="de-CH" smtClean="0"/>
-              <a:t>11.06.2017</a:t>
+              <a:t>12.06.2017</a:t>
             </a:fld>
             <a:endParaRPr lang="de-CH"/>
           </a:p>
@@ -2538,35 +2554,35 @@
           <a:p>
             <a:pPr lvl="0"/>
             <a:r>
-              <a:rPr lang="de-DE"/>
+              <a:rPr lang="de-DE" dirty="0"/>
               <a:t>Formatvorlagen des Textmasters bearbeiten</a:t>
             </a:r>
           </a:p>
           <a:p>
             <a:pPr lvl="1"/>
             <a:r>
-              <a:rPr lang="de-DE"/>
+              <a:rPr lang="de-DE" dirty="0"/>
               <a:t>Zweite Ebene</a:t>
             </a:r>
           </a:p>
           <a:p>
             <a:pPr lvl="2"/>
             <a:r>
-              <a:rPr lang="de-DE"/>
+              <a:rPr lang="de-DE" dirty="0"/>
               <a:t>Dritte Ebene</a:t>
             </a:r>
           </a:p>
           <a:p>
             <a:pPr lvl="3"/>
             <a:r>
-              <a:rPr lang="de-DE"/>
+              <a:rPr lang="de-DE" dirty="0"/>
               <a:t>Vierte Ebene</a:t>
             </a:r>
           </a:p>
           <a:p>
             <a:pPr lvl="4"/>
             <a:r>
-              <a:rPr lang="de-DE"/>
+              <a:rPr lang="de-DE" dirty="0"/>
               <a:t>Fünfte Ebene</a:t>
             </a:r>
             <a:endParaRPr lang="en-US" dirty="0"/>
@@ -2609,7 +2625,7 @@
           <a:p>
             <a:fld id="{BC39CC97-9A22-4EFF-AD45-DE380A2B8C69}" type="datetimeFigureOut">
               <a:rPr lang="de-CH" smtClean="0"/>
-              <a:t>11.06.2017</a:t>
+              <a:t>12.06.2017</a:t>
             </a:fld>
             <a:endParaRPr lang="de-CH"/>
           </a:p>
@@ -2743,8 +2759,10 @@
         <a:spcBef>
           <a:spcPts val="1000"/>
         </a:spcBef>
-        <a:buFont typeface="Wingdings 2" pitchFamily="18" charset="2"/>
-        <a:buChar char=""/>
+        <a:buFontTx/>
+        <a:buBlip>
+          <a:blip r:embed="rId13"/>
+        </a:buBlip>
         <a:defRPr sz="2800" kern="1200">
           <a:solidFill>
             <a:schemeClr val="tx1"/>
@@ -3212,6 +3230,20 @@
             </a:r>
           </a:p>
           <a:p>
+            <a:pPr lvl="1"/>
+            <a:r>
+              <a:rPr lang="de-CH" dirty="0"/>
+              <a:t>Vorgegebene 6 Parkplätze</a:t>
+            </a:r>
+          </a:p>
+          <a:p>
+            <a:pPr lvl="1"/>
+            <a:r>
+              <a:rPr lang="de-CH" dirty="0"/>
+              <a:t>Jeder kann besetzen und freigeben</a:t>
+            </a:r>
+          </a:p>
+          <a:p>
             <a:r>
               <a:rPr lang="de-CH" dirty="0"/>
               <a:t>Einbindung von </a:t>
@@ -3274,7 +3306,7 @@
           <a:p>
             <a:r>
               <a:rPr lang="de-CH" dirty="0"/>
-              <a:t>Plattform Android</a:t>
+              <a:t>Plattform Android – Warum?</a:t>
             </a:r>
           </a:p>
         </p:txBody>
@@ -3382,6 +3414,12 @@
               <a:t>Java Programmierung</a:t>
             </a:r>
           </a:p>
+          <a:p>
+            <a:r>
+              <a:rPr lang="de-CH" dirty="0"/>
+              <a:t>Einfach Unterstützung von unterschiedlichen Sprachen</a:t>
+            </a:r>
+          </a:p>
         </p:txBody>
       </p:sp>
       <p:sp>
@@ -3550,6 +3588,12 @@
               <a:t>Firebase</a:t>
             </a:r>
             <a:endParaRPr lang="de-CH" dirty="0"/>
+          </a:p>
+          <a:p>
+            <a:r>
+              <a:rPr lang="de-CH" dirty="0"/>
+              <a:t>Android Studio</a:t>
+            </a:r>
           </a:p>
         </p:txBody>
       </p:sp>
